--- a/CitiBike Risikoanalyse & Modellierung.pptx
+++ b/CitiBike Risikoanalyse & Modellierung.pptx
@@ -794,6 +794,143 @@
               <a:rPr lang="de-DE" dirty="0"/>
               <a:t>Hexagon-Karte </a:t>
             </a:r>
+          </a:p>
+          <a:p>
+            <a:r>
+              <a:rPr lang="de-DE" dirty="0">
+                <a:solidFill>
+                  <a:srgbClr val="92D050"/>
+                </a:solidFill>
+              </a:rPr>
+              <a:t>Day </a:t>
+            </a:r>
+            <a:r>
+              <a:rPr lang="de-DE" dirty="0"/>
+              <a:t>und</a:t>
+            </a:r>
+            <a:r>
+              <a:rPr lang="de-DE" dirty="0">
+                <a:solidFill>
+                  <a:srgbClr val="92D050"/>
+                </a:solidFill>
+              </a:rPr>
+              <a:t> </a:t>
+            </a:r>
+            <a:r>
+              <a:rPr lang="de-DE" dirty="0" err="1">
+                <a:solidFill>
+                  <a:srgbClr val="92D050"/>
+                </a:solidFill>
+              </a:rPr>
+              <a:t>year</a:t>
+            </a:r>
+            <a:r>
+              <a:rPr lang="de-DE" dirty="0">
+                <a:solidFill>
+                  <a:srgbClr val="92D050"/>
+                </a:solidFill>
+              </a:rPr>
+              <a:t> not </a:t>
+            </a:r>
+            <a:r>
+              <a:rPr lang="de-DE" dirty="0" err="1">
+                <a:solidFill>
+                  <a:srgbClr val="92D050"/>
+                </a:solidFill>
+              </a:rPr>
+              <a:t>significant</a:t>
+            </a:r>
+            <a:endParaRPr lang="de-DE" dirty="0">
+              <a:solidFill>
+                <a:srgbClr val="92D050"/>
+              </a:solidFill>
+            </a:endParaRPr>
+          </a:p>
+          <a:p>
+            <a:endParaRPr lang="de-DE" dirty="0">
+              <a:solidFill>
+                <a:srgbClr val="92D050"/>
+              </a:solidFill>
+            </a:endParaRPr>
+          </a:p>
+          <a:p>
+            <a:r>
+              <a:rPr lang="de-DE" dirty="0" err="1">
+                <a:solidFill>
+                  <a:srgbClr val="92D050"/>
+                </a:solidFill>
+              </a:rPr>
+              <a:t>Recalling</a:t>
+            </a:r>
+            <a:r>
+              <a:rPr lang="de-DE" dirty="0">
+                <a:solidFill>
+                  <a:srgbClr val="92D050"/>
+                </a:solidFill>
+              </a:rPr>
+              <a:t>: </a:t>
+            </a:r>
+            <a:r>
+              <a:rPr lang="de-DE" dirty="0" err="1">
+                <a:solidFill>
+                  <a:srgbClr val="92D050"/>
+                </a:solidFill>
+              </a:rPr>
+              <a:t>missing</a:t>
+            </a:r>
+            <a:r>
+              <a:rPr lang="de-DE" dirty="0">
+                <a:solidFill>
+                  <a:srgbClr val="92D050"/>
+                </a:solidFill>
+              </a:rPr>
+              <a:t> </a:t>
+            </a:r>
+          </a:p>
+          <a:p>
+            <a:endParaRPr lang="de-DE" dirty="0">
+              <a:solidFill>
+                <a:srgbClr val="92D050"/>
+              </a:solidFill>
+            </a:endParaRPr>
+          </a:p>
+          <a:p>
+            <a:r>
+              <a:rPr lang="en-US" dirty="0"/>
+              <a:t>In insurance, </a:t>
+            </a:r>
+            <a:r>
+              <a:rPr lang="en-US" b="1" dirty="0"/>
+              <a:t>missing a risky case (false negative)</a:t>
+            </a:r>
+            <a:r>
+              <a:rPr lang="en-US" dirty="0"/>
+              <a:t> can be </a:t>
+            </a:r>
+            <a:r>
+              <a:rPr lang="en-US" b="1" dirty="0"/>
+              <a:t>very costly</a:t>
+            </a:r>
+            <a:r>
+              <a:rPr lang="en-US" dirty="0"/>
+              <a:t>.</a:t>
+            </a:r>
+          </a:p>
+          <a:p>
+            <a:r>
+              <a:rPr lang="en-US" dirty="0"/>
+              <a:t>High recall ensures </a:t>
+            </a:r>
+            <a:r>
+              <a:rPr lang="en-US" b="1" dirty="0"/>
+              <a:t>most real risks are identified</a:t>
+            </a:r>
+            <a:r>
+              <a:rPr lang="en-US" dirty="0"/>
+              <a:t>, even if it means a few false alarms.</a:t>
+            </a:r>
+          </a:p>
+          <a:p>
             <a:endParaRPr lang="en-DE" dirty="0"/>
           </a:p>
         </p:txBody>
@@ -968,7 +1105,7 @@
           <a:p>
             <a:r>
               <a:rPr lang="de-DE" dirty="0"/>
-              <a:t>Hexagon-Karte </a:t>
+              <a:t> </a:t>
             </a:r>
             <a:endParaRPr lang="en-DE" dirty="0"/>
           </a:p>
@@ -4945,7 +5082,7 @@
           <a:p>
             <a:r>
               <a:rPr lang="de-DE" dirty="0"/>
-              <a:t>14.10.2025</a:t>
+              <a:t>16.10.2025</a:t>
             </a:r>
             <a:endParaRPr lang="en-DE" dirty="0"/>
           </a:p>
@@ -5509,14 +5646,14 @@
             <a:pPr lvl="2"/>
             <a:r>
               <a:rPr lang="de-DE" dirty="0"/>
-              <a:t>AUC: 0.60</a:t>
+              <a:t>Recall: 0.72</a:t>
             </a:r>
           </a:p>
           <a:p>
             <a:pPr lvl="2"/>
             <a:r>
               <a:rPr lang="de-DE" dirty="0"/>
-              <a:t>Precision: 0.78</a:t>
+              <a:t>F1: 0.64</a:t>
             </a:r>
           </a:p>
           <a:p>
@@ -5697,6 +5834,11 @@
               </a:rPr>
               <a:t>Räumlich und zeitlich aggregierte Risikoprofil berechnen</a:t>
             </a:r>
+          </a:p>
+          <a:p>
+            <a:pPr marL="533400" lvl="2" indent="0">
+              <a:buNone/>
+            </a:pPr>
             <a:endParaRPr lang="de-DE" dirty="0">
               <a:solidFill>
                 <a:schemeClr val="accent6"/>
@@ -5717,12 +5859,8 @@
           <a:p>
             <a:pPr lvl="2"/>
             <a:r>
-              <a:rPr lang="de-DE" dirty="0" err="1"/>
-              <a:t>Merge</a:t>
-            </a:r>
-            <a:r>
               <a:rPr lang="de-DE" dirty="0"/>
-              <a:t> Fahrt-Aggregation und Crash-Aggregation</a:t>
+              <a:t>Fahrt-Aggregation und Crash-Aggregation zusammenführen</a:t>
             </a:r>
           </a:p>
           <a:p>
@@ -5753,6 +5891,12 @@
             </a:r>
           </a:p>
           <a:p>
+            <a:pPr marL="1077912" lvl="3" indent="0">
+              <a:buNone/>
+            </a:pPr>
+            <a:endParaRPr lang="de-DE" dirty="0"/>
+          </a:p>
+          <a:p>
             <a:pPr lvl="1"/>
             <a:r>
               <a:rPr lang="de-DE" b="1" dirty="0" err="1"/>
@@ -5877,7 +6021,9 @@
             <a:endParaRPr lang="en-US" dirty="0"/>
           </a:p>
           <a:p>
-            <a:pPr lvl="2"/>
+            <a:pPr marL="533400" lvl="2" indent="0">
+              <a:buNone/>
+            </a:pPr>
             <a:endParaRPr lang="en-US" dirty="0"/>
           </a:p>
           <a:p>
@@ -6046,6 +6192,7 @@
               <a:rPr lang="de-DE" dirty="0"/>
               <a:t> Cluster: repräsentiert übergeordneter Stadtregionen</a:t>
             </a:r>
+            <a:endParaRPr lang="de-DE" b="1" dirty="0"/>
           </a:p>
           <a:p>
             <a:pPr lvl="1"/>
@@ -6069,7 +6216,7 @@
               </a:rPr>
               <a:t>Crash_rate_per_10k, severity_per_10k</a:t>
             </a:r>
-            <a:endParaRPr lang="de-DE" dirty="0"/>
+            <a:endParaRPr lang="de-DE" b="1" dirty="0"/>
           </a:p>
           <a:p>
             <a:pPr lvl="1"/>
@@ -6124,8 +6271,12 @@
           <a:p>
             <a:pPr lvl="2"/>
             <a:r>
+              <a:rPr lang="de-DE" b="1" dirty="0"/>
+              <a:t>MAE</a:t>
+            </a:r>
+            <a:r>
               <a:rPr lang="de-DE" dirty="0"/>
-              <a:t>MAE: 521.11</a:t>
+              <a:t>: 521.11</a:t>
             </a:r>
           </a:p>
           <a:p>
@@ -6165,8 +6316,12 @@
           <a:p>
             <a:pPr lvl="2"/>
             <a:r>
+              <a:rPr lang="de-DE" b="1" dirty="0"/>
+              <a:t>MAE</a:t>
+            </a:r>
+            <a:r>
               <a:rPr lang="de-DE" dirty="0"/>
-              <a:t>MAE: 38.52</a:t>
+              <a:t>: 38.52</a:t>
             </a:r>
           </a:p>
           <a:p>
@@ -6902,10 +7057,9 @@
           <a:p>
             <a:pPr lvl="1"/>
             <a:r>
-              <a:rPr lang="de-DE"/>
+              <a:rPr lang="de-DE" dirty="0"/>
               <a:t>Datenimbalance</a:t>
             </a:r>
-            <a:endParaRPr lang="de-DE" dirty="0"/>
           </a:p>
         </p:txBody>
       </p:sp>
@@ -6986,14 +7140,16 @@
         </p:nvSpPr>
         <p:spPr/>
         <p:txBody>
-          <a:bodyPr/>
-          <a:lstStyle/>
-          <a:p>
-            <a:r>
-              <a:rPr lang="de-DE" dirty="0"/>
+          <a:bodyPr>
+            <a:normAutofit/>
+          </a:bodyPr>
+          <a:lstStyle/>
+          <a:p>
+            <a:r>
+              <a:rPr lang="de-DE" sz="2800" dirty="0"/>
               <a:t>Aufgabestellung</a:t>
             </a:r>
-            <a:endParaRPr lang="en-DE" dirty="0"/>
+            <a:endParaRPr lang="en-DE" sz="2800" dirty="0"/>
           </a:p>
         </p:txBody>
       </p:sp>
@@ -7049,24 +7205,12 @@
               <a:buNone/>
             </a:pPr>
             <a:r>
-              <a:rPr lang="de-DE" b="1" dirty="0" err="1"/>
+              <a:rPr lang="de-DE" b="1" dirty="0"/>
               <a:t>Ziel</a:t>
             </a:r>
             <a:r>
-              <a:rPr lang="de-DE" dirty="0" err="1"/>
-              <a:t>:Zeitliche</a:t>
-            </a:r>
-            <a:r>
               <a:rPr lang="de-DE" dirty="0"/>
-              <a:t> &amp; räumliche Analyse, Risiko-</a:t>
-            </a:r>
-            <a:r>
-              <a:rPr lang="de-DE" dirty="0" err="1"/>
-              <a:t>Indentifizierung</a:t>
-            </a:r>
-            <a:r>
-              <a:rPr lang="de-DE" dirty="0"/>
-              <a:t>, Risikobasiertes Preismodell-Erstellung </a:t>
+              <a:t>: Zeitliche &amp; räumliche Analyse, Risiko-Identifizierung, Risikobasiertes Preismodell-Erstellung </a:t>
             </a:r>
           </a:p>
           <a:p>
@@ -7545,197 +7689,261 @@
         </p:spPr>
         <p:txBody>
           <a:bodyPr>
+            <a:normAutofit lnSpcReduction="10000"/>
+          </a:bodyPr>
+          <a:lstStyle/>
+          <a:p>
+            <a:r>
+              <a:rPr lang="de-DE" sz="1600" b="1" dirty="0">
+                <a:solidFill>
+                  <a:schemeClr val="tx1"/>
+                </a:solidFill>
+              </a:rPr>
+              <a:t>Bereinigung der Daten</a:t>
+            </a:r>
+          </a:p>
+          <a:p>
+            <a:pPr lvl="2"/>
+            <a:r>
+              <a:rPr lang="de-DE" dirty="0"/>
+              <a:t>Entfernung von Nullwerten sowie ungültigen Zeitstempeln und Koordinaten</a:t>
+            </a:r>
+          </a:p>
+          <a:p>
+            <a:pPr lvl="2"/>
+            <a:r>
+              <a:rPr lang="de-DE" dirty="0"/>
+              <a:t>Filtern nach geografischer Lage, Time-Zone</a:t>
+            </a:r>
+          </a:p>
+          <a:p>
+            <a:pPr lvl="2"/>
+            <a:r>
+              <a:rPr lang="de-DE" dirty="0"/>
+              <a:t>Filter out </a:t>
+            </a:r>
+            <a:r>
+              <a:rPr lang="de-DE"/>
+              <a:t>ungültigen Fahrzeiten</a:t>
+            </a:r>
+            <a:endParaRPr lang="de-DE" dirty="0"/>
+          </a:p>
+          <a:p>
+            <a:pPr lvl="1"/>
+            <a:endParaRPr lang="de-DE" b="1" dirty="0">
+              <a:solidFill>
+                <a:schemeClr val="tx1"/>
+              </a:solidFill>
+            </a:endParaRPr>
+          </a:p>
+          <a:p>
+            <a:pPr lvl="1"/>
+            <a:r>
+              <a:rPr lang="de-DE" b="1" dirty="0">
+                <a:solidFill>
+                  <a:schemeClr val="tx1"/>
+                </a:solidFill>
+              </a:rPr>
+              <a:t>Feature Engineering:</a:t>
+            </a:r>
+          </a:p>
+          <a:p>
+            <a:pPr lvl="2"/>
+            <a:r>
+              <a:rPr lang="de-DE" dirty="0"/>
+              <a:t>Zeitbasierte Merkmale: Jahr, Tag, Stunde, Wochentag, Stunde der Woche, Wochenende-Indik,</a:t>
+            </a:r>
+            <a:r>
+              <a:rPr lang="de-DE" dirty="0">
+                <a:solidFill>
+                  <a:srgbClr val="00B050"/>
+                </a:solidFill>
+                <a:effectLst/>
+                <a:latin typeface="Consolas" panose="020B0609020204030204" pitchFamily="49" charset="0"/>
+              </a:rPr>
+              <a:t> </a:t>
+            </a:r>
+            <a:r>
+              <a:rPr lang="de-DE" dirty="0">
+                <a:solidFill>
+                  <a:srgbClr val="92D050"/>
+                </a:solidFill>
+                <a:effectLst/>
+                <a:latin typeface="Consolas" panose="020B0609020204030204" pitchFamily="49" charset="0"/>
+              </a:rPr>
+              <a:t>H3-Zellen</a:t>
+            </a:r>
+          </a:p>
+          <a:p>
+            <a:pPr lvl="2"/>
+            <a:r>
+              <a:rPr lang="de-DE" dirty="0" err="1">
+                <a:solidFill>
+                  <a:srgbClr val="92D050"/>
+                </a:solidFill>
+              </a:rPr>
+              <a:t>Speed_kmh</a:t>
+            </a:r>
+            <a:r>
+              <a:rPr lang="de-DE" dirty="0">
+                <a:solidFill>
+                  <a:srgbClr val="92D050"/>
+                </a:solidFill>
+              </a:rPr>
+              <a:t>, </a:t>
+            </a:r>
+            <a:r>
+              <a:rPr lang="de-DE" dirty="0" err="1">
+                <a:solidFill>
+                  <a:srgbClr val="92D050"/>
+                </a:solidFill>
+              </a:rPr>
+              <a:t>distance_kmh</a:t>
+            </a:r>
+            <a:endParaRPr lang="de-DE" dirty="0">
+              <a:solidFill>
+                <a:srgbClr val="92D050"/>
+              </a:solidFill>
+            </a:endParaRPr>
+          </a:p>
+          <a:p>
+            <a:pPr lvl="2"/>
+            <a:r>
+              <a:rPr lang="de-DE" dirty="0"/>
+              <a:t>Unfall-Data: </a:t>
+            </a:r>
+            <a:r>
+              <a:rPr lang="de-DE" b="0" dirty="0" err="1">
+                <a:solidFill>
+                  <a:srgbClr val="92D050"/>
+                </a:solidFill>
+                <a:effectLst/>
+                <a:latin typeface="Consolas" panose="020B0609020204030204" pitchFamily="49" charset="0"/>
+              </a:rPr>
+              <a:t>severity</a:t>
+            </a:r>
+            <a:r>
+              <a:rPr lang="de-DE" b="0" dirty="0">
+                <a:solidFill>
+                  <a:srgbClr val="92D050"/>
+                </a:solidFill>
+                <a:effectLst/>
+                <a:latin typeface="Consolas" panose="020B0609020204030204" pitchFamily="49" charset="0"/>
+              </a:rPr>
+              <a:t> </a:t>
+            </a:r>
+            <a:r>
+              <a:rPr lang="de-DE" b="0" dirty="0" err="1">
+                <a:solidFill>
+                  <a:srgbClr val="92D050"/>
+                </a:solidFill>
+                <a:effectLst/>
+                <a:latin typeface="Consolas" panose="020B0609020204030204" pitchFamily="49" charset="0"/>
+              </a:rPr>
+              <a:t>metrics</a:t>
+            </a:r>
+            <a:r>
+              <a:rPr lang="de-DE" b="0" dirty="0">
+                <a:solidFill>
+                  <a:srgbClr val="92D050"/>
+                </a:solidFill>
+                <a:effectLst/>
+                <a:latin typeface="Consolas" panose="020B0609020204030204" pitchFamily="49" charset="0"/>
+              </a:rPr>
+              <a:t> (5* </a:t>
+            </a:r>
+            <a:r>
+              <a:rPr lang="de-DE" b="0" dirty="0" err="1">
+                <a:solidFill>
+                  <a:srgbClr val="92D050"/>
+                </a:solidFill>
+                <a:effectLst/>
+                <a:latin typeface="Consolas" panose="020B0609020204030204" pitchFamily="49" charset="0"/>
+              </a:rPr>
+              <a:t>killed</a:t>
+            </a:r>
+            <a:r>
+              <a:rPr lang="de-DE" b="0" dirty="0">
+                <a:solidFill>
+                  <a:srgbClr val="92D050"/>
+                </a:solidFill>
+                <a:effectLst/>
+                <a:latin typeface="Consolas" panose="020B0609020204030204" pitchFamily="49" charset="0"/>
+              </a:rPr>
+              <a:t> + </a:t>
+            </a:r>
+            <a:r>
+              <a:rPr lang="de-DE" b="0" dirty="0" err="1">
+                <a:solidFill>
+                  <a:srgbClr val="92D050"/>
+                </a:solidFill>
+                <a:effectLst/>
+                <a:latin typeface="Consolas" panose="020B0609020204030204" pitchFamily="49" charset="0"/>
+              </a:rPr>
+              <a:t>injured</a:t>
+            </a:r>
+            <a:r>
+              <a:rPr lang="de-DE" b="0" dirty="0">
+                <a:solidFill>
+                  <a:srgbClr val="92D050"/>
+                </a:solidFill>
+                <a:effectLst/>
+                <a:latin typeface="Consolas" panose="020B0609020204030204" pitchFamily="49" charset="0"/>
+              </a:rPr>
+              <a:t>)</a:t>
+            </a:r>
+          </a:p>
+          <a:p>
+            <a:pPr lvl="2"/>
+            <a:endParaRPr lang="de-DE" dirty="0">
+              <a:solidFill>
+                <a:srgbClr val="008000"/>
+              </a:solidFill>
+              <a:latin typeface="Consolas" panose="020B0609020204030204" pitchFamily="49" charset="0"/>
+            </a:endParaRPr>
+          </a:p>
+          <a:p>
+            <a:pPr lvl="1"/>
+            <a:r>
+              <a:rPr lang="de-DE" dirty="0"/>
+              <a:t>Angesichts des großen Datenvolumens wird die Merkmalsextraktion in den Bereinigungsprozess integriert, um redundantes Datenladen zu vermeiden</a:t>
+            </a:r>
+          </a:p>
+        </p:txBody>
+      </p:sp>
+      <p:sp>
+        <p:nvSpPr>
+          <p:cNvPr id="2" name="Titel 1">
+            <a:extLst>
+              <a:ext uri="{FF2B5EF4-FFF2-40B4-BE49-F238E27FC236}">
+                <a16:creationId xmlns:a16="http://schemas.microsoft.com/office/drawing/2014/main" id="{F620B2C1-95AB-453F-9C5B-E73F2CE1CBE7}"/>
+              </a:ext>
+            </a:extLst>
+          </p:cNvPr>
+          <p:cNvSpPr>
+            <a:spLocks noGrp="1"/>
+          </p:cNvSpPr>
+          <p:nvPr>
+            <p:ph type="title"/>
+          </p:nvPr>
+        </p:nvSpPr>
+        <p:spPr>
+          <a:xfrm>
+            <a:off x="583472" y="544184"/>
+            <a:ext cx="10182655" cy="590478"/>
+          </a:xfrm>
+        </p:spPr>
+        <p:txBody>
+          <a:bodyPr>
             <a:normAutofit/>
           </a:bodyPr>
           <a:lstStyle/>
           <a:p>
             <a:r>
-              <a:rPr lang="de-DE" sz="1600" b="1" dirty="0">
-                <a:solidFill>
-                  <a:schemeClr val="tx1"/>
-                </a:solidFill>
-              </a:rPr>
-              <a:t>Bereinigung der Daten</a:t>
-            </a:r>
-          </a:p>
-          <a:p>
-            <a:pPr lvl="2"/>
-            <a:r>
-              <a:rPr lang="de-DE" dirty="0"/>
-              <a:t>Entfernung von Nullwerten sowie ungültigen Zeitstempeln und Koordinaten</a:t>
-            </a:r>
-          </a:p>
-          <a:p>
-            <a:pPr lvl="2"/>
-            <a:r>
-              <a:rPr lang="de-DE" dirty="0"/>
-              <a:t>Filtern nach geografischer Lage, Time-Zone</a:t>
-            </a:r>
-          </a:p>
-          <a:p>
-            <a:pPr lvl="1"/>
-            <a:r>
-              <a:rPr lang="de-DE" b="1" dirty="0">
-                <a:solidFill>
-                  <a:schemeClr val="tx1"/>
-                </a:solidFill>
-              </a:rPr>
-              <a:t>Feature Engineering:</a:t>
-            </a:r>
-          </a:p>
-          <a:p>
-            <a:pPr lvl="2"/>
-            <a:r>
-              <a:rPr lang="de-DE" dirty="0"/>
-              <a:t>Zeitbasierte Merkmale: Jahr, Tag, Stunde, Wochentag, Stunde der Woche, Wochenende-Indik,</a:t>
-            </a:r>
-            <a:r>
-              <a:rPr lang="de-DE" dirty="0">
-                <a:solidFill>
-                  <a:srgbClr val="00B050"/>
-                </a:solidFill>
-                <a:effectLst/>
-                <a:latin typeface="Consolas" panose="020B0609020204030204" pitchFamily="49" charset="0"/>
-              </a:rPr>
-              <a:t> H3-Zellen</a:t>
-            </a:r>
-            <a:endParaRPr lang="de-DE" dirty="0"/>
-          </a:p>
-          <a:p>
-            <a:pPr lvl="2"/>
-            <a:r>
-              <a:rPr lang="de-DE" dirty="0"/>
-              <a:t>Unfall-Data: </a:t>
-            </a:r>
-            <a:r>
-              <a:rPr lang="de-DE" b="0" dirty="0" err="1">
-                <a:solidFill>
-                  <a:srgbClr val="008000"/>
-                </a:solidFill>
-                <a:effectLst/>
-                <a:latin typeface="Consolas" panose="020B0609020204030204" pitchFamily="49" charset="0"/>
-              </a:rPr>
-              <a:t>severity</a:t>
-            </a:r>
-            <a:r>
-              <a:rPr lang="de-DE" b="0" dirty="0">
-                <a:solidFill>
-                  <a:srgbClr val="008000"/>
-                </a:solidFill>
-                <a:effectLst/>
-                <a:latin typeface="Consolas" panose="020B0609020204030204" pitchFamily="49" charset="0"/>
-              </a:rPr>
-              <a:t> </a:t>
-            </a:r>
-            <a:r>
-              <a:rPr lang="de-DE" b="0" dirty="0" err="1">
-                <a:solidFill>
-                  <a:srgbClr val="008000"/>
-                </a:solidFill>
-                <a:effectLst/>
-                <a:latin typeface="Consolas" panose="020B0609020204030204" pitchFamily="49" charset="0"/>
-              </a:rPr>
-              <a:t>metrics</a:t>
-            </a:r>
-            <a:r>
-              <a:rPr lang="de-DE" b="0" dirty="0">
-                <a:solidFill>
-                  <a:srgbClr val="008000"/>
-                </a:solidFill>
-                <a:effectLst/>
-                <a:latin typeface="Consolas" panose="020B0609020204030204" pitchFamily="49" charset="0"/>
-              </a:rPr>
-              <a:t> (5* </a:t>
-            </a:r>
-            <a:r>
-              <a:rPr lang="de-DE" b="0" dirty="0" err="1">
-                <a:solidFill>
-                  <a:srgbClr val="008000"/>
-                </a:solidFill>
-                <a:effectLst/>
-                <a:latin typeface="Consolas" panose="020B0609020204030204" pitchFamily="49" charset="0"/>
-              </a:rPr>
-              <a:t>killed</a:t>
-            </a:r>
-            <a:r>
-              <a:rPr lang="de-DE" b="0" dirty="0">
-                <a:solidFill>
-                  <a:srgbClr val="008000"/>
-                </a:solidFill>
-                <a:effectLst/>
-                <a:latin typeface="Consolas" panose="020B0609020204030204" pitchFamily="49" charset="0"/>
-              </a:rPr>
-              <a:t> + </a:t>
-            </a:r>
-            <a:r>
-              <a:rPr lang="de-DE" b="0" dirty="0" err="1">
-                <a:solidFill>
-                  <a:srgbClr val="008000"/>
-                </a:solidFill>
-                <a:effectLst/>
-                <a:latin typeface="Consolas" panose="020B0609020204030204" pitchFamily="49" charset="0"/>
-              </a:rPr>
-              <a:t>injured</a:t>
-            </a:r>
-            <a:r>
-              <a:rPr lang="de-DE" b="0" dirty="0">
-                <a:solidFill>
-                  <a:srgbClr val="008000"/>
-                </a:solidFill>
-                <a:effectLst/>
-                <a:latin typeface="Consolas" panose="020B0609020204030204" pitchFamily="49" charset="0"/>
-              </a:rPr>
-              <a:t>), </a:t>
-            </a:r>
-            <a:r>
-              <a:rPr lang="de-DE" b="0" dirty="0">
-                <a:solidFill>
-                  <a:srgbClr val="00B050"/>
-                </a:solidFill>
-                <a:effectLst/>
-                <a:latin typeface="Consolas" panose="020B0609020204030204" pitchFamily="49" charset="0"/>
-              </a:rPr>
-              <a:t>crash_rate_per_10k, severity_per_10k</a:t>
-            </a:r>
-          </a:p>
-          <a:p>
-            <a:pPr lvl="2"/>
-            <a:endParaRPr lang="de-DE" b="0" dirty="0">
-              <a:solidFill>
-                <a:srgbClr val="3B3B3B"/>
-              </a:solidFill>
-              <a:effectLst/>
-              <a:latin typeface="Consolas" panose="020B0609020204030204" pitchFamily="49" charset="0"/>
-            </a:endParaRPr>
-          </a:p>
-        </p:txBody>
-      </p:sp>
-      <p:sp>
-        <p:nvSpPr>
-          <p:cNvPr id="2" name="Titel 1">
-            <a:extLst>
-              <a:ext uri="{FF2B5EF4-FFF2-40B4-BE49-F238E27FC236}">
-                <a16:creationId xmlns:a16="http://schemas.microsoft.com/office/drawing/2014/main" id="{F620B2C1-95AB-453F-9C5B-E73F2CE1CBE7}"/>
-              </a:ext>
-            </a:extLst>
-          </p:cNvPr>
-          <p:cNvSpPr>
-            <a:spLocks noGrp="1"/>
-          </p:cNvSpPr>
-          <p:nvPr>
-            <p:ph type="title"/>
-          </p:nvPr>
-        </p:nvSpPr>
-        <p:spPr/>
-        <p:txBody>
-          <a:bodyPr/>
-          <a:lstStyle/>
-          <a:p>
-            <a:r>
-              <a:rPr lang="de-DE" dirty="0"/>
-              <a:t>Datenaufbereitung – Datenreinigung</a:t>
-            </a:r>
-            <a:endParaRPr lang="en-DE" dirty="0"/>
+              <a:rPr lang="de-DE" sz="2800" dirty="0"/>
+              <a:t>Datenaufbereitung – Datenreinigung &amp; Merkmalextraktion</a:t>
+            </a:r>
+            <a:endParaRPr lang="en-DE" sz="2800" dirty="0"/>
           </a:p>
         </p:txBody>
       </p:sp>
@@ -7822,7 +8030,7 @@
         </p:spPr>
         <p:txBody>
           <a:bodyPr>
-            <a:normAutofit/>
+            <a:noAutofit/>
           </a:bodyPr>
           <a:lstStyle/>
           <a:p>
@@ -7832,9 +8040,16 @@
                   <a:schemeClr val="tx1"/>
                 </a:solidFill>
               </a:rPr>
-              <a:t>Fahrten pro Stunde/Tag/Monat</a:t>
-            </a:r>
-            <a:endParaRPr lang="en-DE" sz="1600" dirty="0">
+              <a:t>Zeitliche Nutzungsmuster</a:t>
+            </a:r>
+          </a:p>
+          <a:p>
+            <a:pPr lvl="2"/>
+            <a:r>
+              <a:rPr lang="de-DE" dirty="0"/>
+              <a:t>Erkennen von Spitzenzeiten und saisonalen Trends</a:t>
+            </a:r>
+            <a:endParaRPr lang="de-DE" dirty="0">
               <a:solidFill>
                 <a:schemeClr val="tx1"/>
               </a:solidFill>
@@ -7865,14 +8080,16 @@
           </a:xfrm>
         </p:spPr>
         <p:txBody>
-          <a:bodyPr/>
-          <a:lstStyle/>
-          <a:p>
-            <a:r>
-              <a:rPr lang="de-DE" dirty="0"/>
+          <a:bodyPr>
+            <a:normAutofit/>
+          </a:bodyPr>
+          <a:lstStyle/>
+          <a:p>
+            <a:r>
+              <a:rPr lang="de-DE" sz="2800" dirty="0"/>
               <a:t>Explorative Datenanalyse</a:t>
             </a:r>
-            <a:endParaRPr lang="en-DE" dirty="0"/>
+            <a:endParaRPr lang="en-DE" sz="2800" dirty="0"/>
           </a:p>
         </p:txBody>
       </p:sp>
@@ -8062,12 +8279,12 @@
         <p:spPr>
           <a:xfrm>
             <a:off x="438240" y="1441145"/>
-            <a:ext cx="10037423" cy="590478"/>
+            <a:ext cx="10037423" cy="1210988"/>
           </a:xfrm>
         </p:spPr>
         <p:txBody>
           <a:bodyPr>
-            <a:normAutofit/>
+            <a:noAutofit/>
           </a:bodyPr>
           <a:lstStyle/>
           <a:p>
@@ -8077,13 +8294,34 @@
                   <a:schemeClr val="tx1"/>
                 </a:solidFill>
               </a:rPr>
-              <a:t>Geschwindigkeit</a:t>
-            </a:r>
-            <a:endParaRPr lang="en-DE" sz="1600" dirty="0">
-              <a:solidFill>
-                <a:schemeClr val="tx1"/>
-              </a:solidFill>
-            </a:endParaRPr>
+              <a:t>Zeitliche </a:t>
+            </a:r>
+            <a:r>
+              <a:rPr lang="de-DE" sz="1600" dirty="0" err="1">
+                <a:solidFill>
+                  <a:schemeClr val="tx1"/>
+                </a:solidFill>
+              </a:rPr>
+              <a:t>Geschwindigkeitsverhaltnis</a:t>
+            </a:r>
+            <a:r>
+              <a:rPr lang="de-DE" sz="1600" dirty="0">
+                <a:solidFill>
+                  <a:schemeClr val="tx1"/>
+                </a:solidFill>
+              </a:rPr>
+              <a:t> </a:t>
+            </a:r>
+          </a:p>
+          <a:p>
+            <a:r>
+              <a:rPr lang="de-DE" sz="1600" dirty="0">
+                <a:solidFill>
+                  <a:schemeClr val="tx1"/>
+                </a:solidFill>
+              </a:rPr>
+              <a:t>Vergleich des Geschwindigkeitsverhaltens zwischen Mitgliedern und Gelegenheitsnutzern</a:t>
+            </a:r>
           </a:p>
         </p:txBody>
       </p:sp>
@@ -8178,7 +8416,7 @@
         </p:blipFill>
         <p:spPr>
           <a:xfrm>
-            <a:off x="6745890" y="1956615"/>
+            <a:off x="6625992" y="2825355"/>
             <a:ext cx="5246605" cy="3903724"/>
           </a:xfrm>
           <a:prstGeom prst="rect">
@@ -8214,7 +8452,7 @@
         </p:blipFill>
         <p:spPr>
           <a:xfrm>
-            <a:off x="438240" y="2242159"/>
+            <a:off x="199505" y="2865076"/>
             <a:ext cx="6225822" cy="3690782"/>
           </a:xfrm>
           <a:prstGeom prst="rect">
@@ -8286,7 +8524,7 @@
                   <a:schemeClr val="tx1"/>
                 </a:solidFill>
               </a:rPr>
-              <a:t>Unfallraten pro Stunde/Tag/Monat</a:t>
+              <a:t>Zeitliche Unfallrate</a:t>
             </a:r>
             <a:endParaRPr lang="en-DE" sz="1600" dirty="0">
               <a:solidFill>
@@ -8715,7 +8953,7 @@
         </p:blipFill>
         <p:spPr>
           <a:xfrm>
-            <a:off x="6761828" y="879732"/>
+            <a:off x="6961333" y="1250123"/>
             <a:ext cx="5230667" cy="4040621"/>
           </a:xfrm>
           <a:prstGeom prst="rect">
@@ -8742,7 +8980,7 @@
         <p:spPr>
           <a:xfrm>
             <a:off x="583472" y="1250123"/>
-            <a:ext cx="10037423" cy="4728145"/>
+            <a:ext cx="10037423" cy="5318623"/>
           </a:xfrm>
         </p:spPr>
         <p:txBody>
@@ -8875,60 +9113,8 @@
               </a:lnSpc>
             </a:pPr>
             <a:r>
-              <a:rPr lang="en-DE" altLang="en-DE" dirty="0" err="1"/>
-              <a:t>Schnellere</a:t>
-            </a:r>
-            <a:r>
-              <a:rPr lang="en-DE" altLang="en-DE" dirty="0"/>
-              <a:t> </a:t>
-            </a:r>
-            <a:r>
-              <a:rPr lang="en-DE" altLang="en-DE" dirty="0" err="1"/>
-              <a:t>Fahrten</a:t>
-            </a:r>
-            <a:r>
-              <a:rPr lang="en-DE" altLang="en-DE" dirty="0"/>
-              <a:t> </a:t>
-            </a:r>
-            <a:r>
-              <a:rPr lang="en-DE" altLang="en-DE" dirty="0" err="1"/>
-              <a:t>sind</a:t>
-            </a:r>
-            <a:r>
-              <a:rPr lang="en-DE" altLang="en-DE" dirty="0"/>
-              <a:t> </a:t>
-            </a:r>
-            <a:r>
-              <a:rPr lang="en-DE" altLang="en-DE" dirty="0" err="1"/>
-              <a:t>meist</a:t>
-            </a:r>
-            <a:r>
-              <a:rPr lang="en-DE" altLang="en-DE" dirty="0"/>
-              <a:t> </a:t>
-            </a:r>
-            <a:r>
-              <a:rPr lang="en-DE" altLang="en-DE" dirty="0" err="1"/>
-              <a:t>auch</a:t>
-            </a:r>
-            <a:r>
-              <a:rPr lang="en-DE" altLang="en-DE" dirty="0"/>
-              <a:t> </a:t>
-            </a:r>
-            <a:r>
-              <a:rPr lang="en-DE" altLang="en-DE" dirty="0" err="1"/>
-              <a:t>längere</a:t>
-            </a:r>
-            <a:r>
-              <a:rPr lang="en-DE" altLang="en-DE" dirty="0"/>
-              <a:t> </a:t>
-            </a:r>
-            <a:r>
-              <a:rPr lang="en-DE" altLang="en-DE" dirty="0" err="1"/>
-              <a:t>Fahrten</a:t>
-            </a:r>
-            <a:r>
-              <a:rPr lang="en-DE" altLang="en-DE" dirty="0"/>
-              <a:t>.</a:t>
+              <a:rPr lang="de-DE" altLang="en-DE" dirty="0"/>
+              <a:t>Schnellere Fahrten sind meist auch längere Fahrten.</a:t>
             </a:r>
           </a:p>
           <a:p>
@@ -8998,53 +9184,10 @@
               </a:lnSpc>
             </a:pPr>
             <a:r>
-              <a:rPr lang="en-DE" altLang="en-DE" dirty="0" err="1"/>
-              <a:t>Längere</a:t>
-            </a:r>
-            <a:r>
-              <a:rPr lang="en-DE" altLang="en-DE" dirty="0"/>
-              <a:t> Dauer </a:t>
-            </a:r>
-            <a:r>
-              <a:rPr lang="en-DE" altLang="en-DE" dirty="0" err="1"/>
-              <a:t>korreliert</a:t>
-            </a:r>
-            <a:r>
-              <a:rPr lang="en-DE" altLang="en-DE" dirty="0"/>
-              <a:t> </a:t>
-            </a:r>
-            <a:r>
-              <a:rPr lang="en-DE" altLang="en-DE" dirty="0" err="1"/>
-              <a:t>erwartungsgemäß</a:t>
-            </a:r>
-            <a:r>
-              <a:rPr lang="en-DE" altLang="en-DE" dirty="0"/>
-              <a:t> </a:t>
-            </a:r>
-            <a:r>
-              <a:rPr lang="en-DE" altLang="en-DE" dirty="0" err="1"/>
-              <a:t>mit</a:t>
-            </a:r>
-            <a:r>
-              <a:rPr lang="en-DE" altLang="en-DE" dirty="0"/>
-              <a:t> </a:t>
-            </a:r>
-            <a:r>
-              <a:rPr lang="en-DE" altLang="en-DE" dirty="0" err="1"/>
-              <a:t>längerer</a:t>
-            </a:r>
-            <a:r>
-              <a:rPr lang="en-DE" altLang="en-DE" dirty="0"/>
-              <a:t> </a:t>
-            </a:r>
-            <a:r>
-              <a:rPr lang="en-DE" altLang="en-DE" dirty="0" err="1"/>
-              <a:t>Distanz</a:t>
-            </a:r>
-            <a:r>
-              <a:rPr lang="en-DE" altLang="en-DE" dirty="0"/>
-              <a:t>.</a:t>
-            </a:r>
+              <a:rPr lang="de-DE" altLang="en-DE" dirty="0"/>
+              <a:t>Längere Dauer korreliert erwartungsgemäß mit längerer Distanz</a:t>
+            </a:r>
+            <a:endParaRPr lang="en-DE" altLang="en-DE" dirty="0"/>
           </a:p>
           <a:p>
             <a:pPr>
@@ -9105,36 +9248,12 @@
               </a:lnSpc>
             </a:pPr>
             <a:r>
-              <a:rPr lang="en-DE" altLang="en-DE" dirty="0" err="1"/>
-              <a:t>Freizeitfahrer</a:t>
+              <a:rPr lang="de-DE" altLang="en-DE" dirty="0"/>
+              <a:t>Freizeitfahrer treten häufiger am Wochenende auf</a:t>
             </a:r>
             <a:r>
               <a:rPr lang="en-DE" altLang="en-DE" dirty="0"/>
-              <a:t> </a:t>
-            </a:r>
-            <a:r>
-              <a:rPr lang="en-DE" altLang="en-DE" dirty="0" err="1"/>
-              <a:t>treten</a:t>
-            </a:r>
-            <a:r>
-              <a:rPr lang="en-DE" altLang="en-DE" dirty="0"/>
-              <a:t> </a:t>
-            </a:r>
-            <a:r>
-              <a:rPr lang="en-DE" altLang="en-DE" dirty="0" err="1"/>
-              <a:t>häufiger</a:t>
-            </a:r>
-            <a:r>
-              <a:rPr lang="en-DE" altLang="en-DE" dirty="0"/>
-              <a:t> am </a:t>
-            </a:r>
-            <a:r>
-              <a:rPr lang="en-DE" altLang="en-DE" dirty="0" err="1"/>
-              <a:t>Wochenende</a:t>
-            </a:r>
-            <a:r>
-              <a:rPr lang="en-DE" altLang="en-DE" dirty="0"/>
-              <a:t> auf.</a:t>
+              <a:t>.</a:t>
             </a:r>
           </a:p>
           <a:p>
@@ -9180,76 +9299,8 @@
               </a:lnSpc>
             </a:pPr>
             <a:r>
-              <a:rPr lang="en-DE" altLang="en-DE" dirty="0" err="1"/>
-              <a:t>Gebiete</a:t>
-            </a:r>
-            <a:r>
-              <a:rPr lang="en-DE" altLang="en-DE" dirty="0"/>
-              <a:t> </a:t>
-            </a:r>
-            <a:r>
-              <a:rPr lang="en-DE" altLang="en-DE" dirty="0" err="1"/>
-              <a:t>mit</a:t>
-            </a:r>
-            <a:r>
-              <a:rPr lang="en-DE" altLang="en-DE" dirty="0"/>
-              <a:t> </a:t>
-            </a:r>
-            <a:r>
-              <a:rPr lang="en-DE" altLang="en-DE" dirty="0" err="1"/>
-              <a:t>höherer</a:t>
-            </a:r>
-            <a:r>
-              <a:rPr lang="en-DE" altLang="en-DE" dirty="0"/>
-              <a:t> </a:t>
-            </a:r>
-            <a:r>
-              <a:rPr lang="en-DE" altLang="en-DE" dirty="0" err="1"/>
-              <a:t>Unfallrate</a:t>
-            </a:r>
-            <a:r>
-              <a:rPr lang="en-DE" altLang="en-DE" dirty="0"/>
-              <a:t> </a:t>
-            </a:r>
-            <a:r>
-              <a:rPr lang="en-DE" altLang="en-DE" dirty="0" err="1"/>
-              <a:t>zeigen</a:t>
-            </a:r>
-            <a:r>
-              <a:rPr lang="en-DE" altLang="en-DE" dirty="0"/>
-              <a:t> </a:t>
-            </a:r>
-            <a:r>
-              <a:rPr lang="en-DE" altLang="en-DE" dirty="0" err="1"/>
-              <a:t>tendenziell</a:t>
-            </a:r>
-            <a:r>
-              <a:rPr lang="en-DE" altLang="en-DE" dirty="0"/>
-              <a:t> </a:t>
-            </a:r>
-            <a:r>
-              <a:rPr lang="en-DE" altLang="en-DE" dirty="0" err="1"/>
-              <a:t>auch</a:t>
-            </a:r>
-            <a:r>
-              <a:rPr lang="en-DE" altLang="en-DE" dirty="0"/>
-              <a:t> </a:t>
-            </a:r>
-            <a:r>
-              <a:rPr lang="en-DE" altLang="en-DE" dirty="0" err="1"/>
-              <a:t>höhere</a:t>
-            </a:r>
-            <a:r>
-              <a:rPr lang="en-DE" altLang="en-DE" dirty="0"/>
-              <a:t> </a:t>
-            </a:r>
-            <a:r>
-              <a:rPr lang="en-DE" altLang="en-DE" dirty="0" err="1"/>
-              <a:t>Schwere</a:t>
-            </a:r>
-            <a:r>
-              <a:rPr lang="en-DE" altLang="en-DE" dirty="0"/>
-              <a:t>.</a:t>
+              <a:rPr lang="de-DE" altLang="en-DE" dirty="0"/>
+              <a:t>Gebiete mit höherer Unfallrate zeigen tendenziell auch höhere Schwere.</a:t>
             </a:r>
           </a:p>
           <a:p>
@@ -9315,7 +9366,7 @@
               <a:t> </a:t>
             </a:r>
             <a:r>
-              <a:rPr lang="en-DE" altLang="en-DE" dirty="0" err="1"/>
+              <a:rPr lang="de-DE" altLang="en-DE" dirty="0"/>
               <a:t>Hohe</a:t>
             </a:r>
             <a:r>
@@ -9323,7 +9374,7 @@
               <a:t> </a:t>
             </a:r>
             <a:r>
-              <a:rPr lang="en-DE" altLang="en-DE" dirty="0" err="1"/>
+              <a:rPr lang="de-DE" altLang="en-DE" dirty="0"/>
               <a:t>Auslastung</a:t>
             </a:r>
             <a:r>
@@ -9331,7 +9382,7 @@
               <a:t> </a:t>
             </a:r>
             <a:r>
-              <a:rPr lang="en-DE" altLang="en-DE" dirty="0" err="1"/>
+              <a:rPr lang="de-DE" altLang="en-DE" dirty="0"/>
               <a:t>führt</a:t>
             </a:r>
             <a:r>
@@ -9339,92 +9390,9 @@
               <a:t> </a:t>
             </a:r>
             <a:r>
-              <a:rPr lang="en-DE" altLang="en-DE" dirty="0" err="1"/>
-              <a:t>nicht</a:t>
-            </a:r>
-            <a:r>
-              <a:rPr lang="en-DE" altLang="en-DE" dirty="0"/>
-              <a:t> </a:t>
-            </a:r>
-            <a:r>
-              <a:rPr lang="en-DE" altLang="en-DE" dirty="0" err="1"/>
-              <a:t>automatisch</a:t>
-            </a:r>
-            <a:r>
-              <a:rPr lang="en-DE" altLang="en-DE" dirty="0"/>
-              <a:t> </a:t>
-            </a:r>
-            <a:r>
-              <a:rPr lang="en-DE" altLang="en-DE" dirty="0" err="1"/>
-              <a:t>zu</a:t>
-            </a:r>
-            <a:r>
-              <a:rPr lang="en-DE" altLang="en-DE" dirty="0"/>
-              <a:t> </a:t>
-            </a:r>
-            <a:r>
-              <a:rPr lang="en-DE" altLang="en-DE" dirty="0" err="1"/>
-              <a:t>mehr</a:t>
-            </a:r>
-            <a:r>
-              <a:rPr lang="en-DE" altLang="en-DE" dirty="0"/>
-              <a:t> </a:t>
-            </a:r>
-            <a:r>
-              <a:rPr lang="en-DE" altLang="en-DE" dirty="0" err="1"/>
-              <a:t>Unfällen</a:t>
-            </a:r>
-            <a:r>
-              <a:rPr lang="en-DE" altLang="en-DE" dirty="0"/>
-              <a:t> (</a:t>
-            </a:r>
-            <a:r>
-              <a:rPr lang="en-DE" altLang="en-DE" dirty="0" err="1"/>
-              <a:t>mögliche</a:t>
-            </a:r>
-            <a:r>
-              <a:rPr lang="en-DE" altLang="en-DE" dirty="0"/>
-              <a:t> </a:t>
-            </a:r>
-            <a:r>
-              <a:rPr lang="en-DE" altLang="en-DE" dirty="0" err="1"/>
-              <a:t>Sicherheits­effekte</a:t>
-            </a:r>
-            <a:r>
-              <a:rPr lang="en-DE" altLang="en-DE" dirty="0"/>
-              <a:t> </a:t>
-            </a:r>
-            <a:r>
-              <a:rPr lang="en-DE" altLang="en-DE" dirty="0" err="1"/>
-              <a:t>durch</a:t>
-            </a:r>
-            <a:r>
-              <a:rPr lang="en-DE" altLang="en-DE" dirty="0"/>
-              <a:t> Routine / </a:t>
-            </a:r>
-            <a:r>
-              <a:rPr lang="en-DE" altLang="en-DE" dirty="0" err="1"/>
-              <a:t>Infrastruktur</a:t>
-            </a:r>
-            <a:r>
-              <a:rPr lang="en-DE" altLang="en-DE" dirty="0"/>
-              <a:t>).</a:t>
-            </a:r>
-          </a:p>
-          <a:p>
-            <a:pPr lvl="2">
-              <a:lnSpc>
-                <a:spcPct val="100000"/>
-              </a:lnSpc>
-            </a:pPr>
-            <a:endParaRPr lang="de-DE" dirty="0"/>
-          </a:p>
-          <a:p>
-            <a:pPr lvl="2">
-              <a:lnSpc>
-                <a:spcPct val="100000"/>
-              </a:lnSpc>
-            </a:pPr>
+              <a:rPr lang="de-DE" altLang="en-DE" dirty="0"/>
+              <a:t>nicht automatisch zu mehr Unfällen (mögliche Sicherheits­effekte durch Routine / Infrastruktur).</a:t>
+            </a:r>
             <a:endParaRPr lang="de-DE" dirty="0"/>
           </a:p>
           <a:p>
